--- a/5팀(웹위버스)발표자료(html,css,javascript등을 이용한 틱택토게임).pptx
+++ b/5팀(웹위버스)발표자료(html,css,javascript등을 이용한 틱택토게임).pptx
@@ -273,7 +273,7 @@
           <a:p>
             <a:fld id="{B345DE7F-F699-4113-B9F9-0A1B7EE5E526}" type="datetimeFigureOut">
               <a:rPr lang="ko-KR" altLang="en-US" smtClean="0"/>
-              <a:t>2024-07-17</a:t>
+              <a:t>2024-07-18</a:t>
             </a:fld>
             <a:endParaRPr lang="ko-KR" altLang="en-US"/>
           </a:p>
@@ -471,7 +471,7 @@
           <a:p>
             <a:fld id="{B345DE7F-F699-4113-B9F9-0A1B7EE5E526}" type="datetimeFigureOut">
               <a:rPr lang="ko-KR" altLang="en-US" smtClean="0"/>
-              <a:t>2024-07-17</a:t>
+              <a:t>2024-07-18</a:t>
             </a:fld>
             <a:endParaRPr lang="ko-KR" altLang="en-US"/>
           </a:p>
@@ -679,7 +679,7 @@
           <a:p>
             <a:fld id="{B345DE7F-F699-4113-B9F9-0A1B7EE5E526}" type="datetimeFigureOut">
               <a:rPr lang="ko-KR" altLang="en-US" smtClean="0"/>
-              <a:t>2024-07-17</a:t>
+              <a:t>2024-07-18</a:t>
             </a:fld>
             <a:endParaRPr lang="ko-KR" altLang="en-US"/>
           </a:p>
@@ -877,7 +877,7 @@
           <a:p>
             <a:fld id="{B345DE7F-F699-4113-B9F9-0A1B7EE5E526}" type="datetimeFigureOut">
               <a:rPr lang="ko-KR" altLang="en-US" smtClean="0"/>
-              <a:t>2024-07-17</a:t>
+              <a:t>2024-07-18</a:t>
             </a:fld>
             <a:endParaRPr lang="ko-KR" altLang="en-US"/>
           </a:p>
@@ -1152,7 +1152,7 @@
           <a:p>
             <a:fld id="{B345DE7F-F699-4113-B9F9-0A1B7EE5E526}" type="datetimeFigureOut">
               <a:rPr lang="ko-KR" altLang="en-US" smtClean="0"/>
-              <a:t>2024-07-17</a:t>
+              <a:t>2024-07-18</a:t>
             </a:fld>
             <a:endParaRPr lang="ko-KR" altLang="en-US"/>
           </a:p>
@@ -1417,7 +1417,7 @@
           <a:p>
             <a:fld id="{B345DE7F-F699-4113-B9F9-0A1B7EE5E526}" type="datetimeFigureOut">
               <a:rPr lang="ko-KR" altLang="en-US" smtClean="0"/>
-              <a:t>2024-07-17</a:t>
+              <a:t>2024-07-18</a:t>
             </a:fld>
             <a:endParaRPr lang="ko-KR" altLang="en-US"/>
           </a:p>
@@ -1829,7 +1829,7 @@
           <a:p>
             <a:fld id="{B345DE7F-F699-4113-B9F9-0A1B7EE5E526}" type="datetimeFigureOut">
               <a:rPr lang="ko-KR" altLang="en-US" smtClean="0"/>
-              <a:t>2024-07-17</a:t>
+              <a:t>2024-07-18</a:t>
             </a:fld>
             <a:endParaRPr lang="ko-KR" altLang="en-US"/>
           </a:p>
@@ -1970,7 +1970,7 @@
           <a:p>
             <a:fld id="{B345DE7F-F699-4113-B9F9-0A1B7EE5E526}" type="datetimeFigureOut">
               <a:rPr lang="ko-KR" altLang="en-US" smtClean="0"/>
-              <a:t>2024-07-17</a:t>
+              <a:t>2024-07-18</a:t>
             </a:fld>
             <a:endParaRPr lang="ko-KR" altLang="en-US"/>
           </a:p>
@@ -2083,7 +2083,7 @@
           <a:p>
             <a:fld id="{B345DE7F-F699-4113-B9F9-0A1B7EE5E526}" type="datetimeFigureOut">
               <a:rPr lang="ko-KR" altLang="en-US" smtClean="0"/>
-              <a:t>2024-07-17</a:t>
+              <a:t>2024-07-18</a:t>
             </a:fld>
             <a:endParaRPr lang="ko-KR" altLang="en-US"/>
           </a:p>
@@ -2394,7 +2394,7 @@
           <a:p>
             <a:fld id="{B345DE7F-F699-4113-B9F9-0A1B7EE5E526}" type="datetimeFigureOut">
               <a:rPr lang="ko-KR" altLang="en-US" smtClean="0"/>
-              <a:t>2024-07-17</a:t>
+              <a:t>2024-07-18</a:t>
             </a:fld>
             <a:endParaRPr lang="ko-KR" altLang="en-US"/>
           </a:p>
@@ -2682,7 +2682,7 @@
           <a:p>
             <a:fld id="{B345DE7F-F699-4113-B9F9-0A1B7EE5E526}" type="datetimeFigureOut">
               <a:rPr lang="ko-KR" altLang="en-US" smtClean="0"/>
-              <a:t>2024-07-17</a:t>
+              <a:t>2024-07-18</a:t>
             </a:fld>
             <a:endParaRPr lang="ko-KR" altLang="en-US"/>
           </a:p>
@@ -2923,7 +2923,7 @@
           <a:p>
             <a:fld id="{B345DE7F-F699-4113-B9F9-0A1B7EE5E526}" type="datetimeFigureOut">
               <a:rPr lang="ko-KR" altLang="en-US" smtClean="0"/>
-              <a:t>2024-07-17</a:t>
+              <a:t>2024-07-18</a:t>
             </a:fld>
             <a:endParaRPr lang="ko-KR" altLang="en-US"/>
           </a:p>
@@ -3928,10 +3928,10 @@
       </p:sp>
       <p:pic>
         <p:nvPicPr>
-          <p:cNvPr id="8" name="그림 7" descr="텍스트, 스크린샷, 멀티미디어 소프트웨어, 소프트웨어이(가) 표시된 사진&#10;&#10;자동 생성된 설명">
-            <a:extLst>
-              <a:ext uri="{FF2B5EF4-FFF2-40B4-BE49-F238E27FC236}">
-                <a16:creationId xmlns:a16="http://schemas.microsoft.com/office/drawing/2014/main" id="{1292C0B0-61CD-7125-645D-3ACEE5101B3D}"/>
+          <p:cNvPr id="3" name="그림 2">
+            <a:extLst>
+              <a:ext uri="{FF2B5EF4-FFF2-40B4-BE49-F238E27FC236}">
+                <a16:creationId xmlns:a16="http://schemas.microsoft.com/office/drawing/2014/main" id="{7A17FBBD-EFE3-B67A-A939-8A17A26B3C2C}"/>
               </a:ext>
             </a:extLst>
           </p:cNvPr>
@@ -3941,21 +3941,15 @@
           <p:nvPr/>
         </p:nvPicPr>
         <p:blipFill>
-          <a:blip r:embed="rId4">
-            <a:extLst>
-              <a:ext uri="{28A0092B-C50C-407E-A947-70E740481C1C}">
-                <a14:useLocalDpi xmlns:a14="http://schemas.microsoft.com/office/drawing/2010/main" val="0"/>
-              </a:ext>
-            </a:extLst>
-          </a:blip>
+          <a:blip r:embed="rId4"/>
           <a:stretch>
             <a:fillRect/>
           </a:stretch>
         </p:blipFill>
         <p:spPr>
           <a:xfrm>
-            <a:off x="342089" y="1377575"/>
-            <a:ext cx="11507821" cy="5130065"/>
+            <a:off x="0" y="1280335"/>
+            <a:ext cx="12192000" cy="5577665"/>
           </a:xfrm>
           <a:prstGeom prst="rect">
             <a:avLst/>
